--- a/Project/presentation/Project_Presentation.pptx
+++ b/Project/presentation/Project_Presentation.pptx
@@ -18,7 +18,9 @@
     <p:sldId id="266" r:id="rId12"/>
     <p:sldId id="267" r:id="rId13"/>
     <p:sldId id="268" r:id="rId14"/>
-    <p:sldId id="269" r:id="rId15"/>
+    <p:sldId id="270" r:id="rId15"/>
+    <p:sldId id="271" r:id="rId16"/>
+    <p:sldId id="269" r:id="rId17"/>
   </p:sldIdLst>
   <p:sldSz cx="12192000" cy="6858000"/>
   <p:notesSz cx="6858000" cy="9144000"/>
@@ -117,6 +119,11 @@
       </a:defRPr>
     </a:lvl9pPr>
   </p:defaultTextStyle>
+  <p:extLst>
+    <p:ext uri="{EFAFB233-063F-42B5-8137-9DF3F51BA10A}">
+      <p15:sldGuideLst xmlns:p15="http://schemas.microsoft.com/office/powerpoint/2012/main"/>
+    </p:ext>
+  </p:extLst>
 </p:presentation>
 </file>
 
@@ -251,7 +258,7 @@
           <a:p>
             <a:fld id="{AAAA8224-2D8A-4801-9E77-4E1F1BD3DE14}" type="datetimeFigureOut">
               <a:rPr lang="en-GB" smtClean="0"/>
-              <a:t>30/10/2017</a:t>
+              <a:t>06/11/2017</a:t>
             </a:fld>
             <a:endParaRPr lang="en-GB"/>
           </a:p>
@@ -421,7 +428,7 @@
           <a:p>
             <a:fld id="{AAAA8224-2D8A-4801-9E77-4E1F1BD3DE14}" type="datetimeFigureOut">
               <a:rPr lang="en-GB" smtClean="0"/>
-              <a:t>30/10/2017</a:t>
+              <a:t>06/11/2017</a:t>
             </a:fld>
             <a:endParaRPr lang="en-GB"/>
           </a:p>
@@ -601,7 +608,7 @@
           <a:p>
             <a:fld id="{AAAA8224-2D8A-4801-9E77-4E1F1BD3DE14}" type="datetimeFigureOut">
               <a:rPr lang="en-GB" smtClean="0"/>
-              <a:t>30/10/2017</a:t>
+              <a:t>06/11/2017</a:t>
             </a:fld>
             <a:endParaRPr lang="en-GB"/>
           </a:p>
@@ -771,7 +778,7 @@
           <a:p>
             <a:fld id="{AAAA8224-2D8A-4801-9E77-4E1F1BD3DE14}" type="datetimeFigureOut">
               <a:rPr lang="en-GB" smtClean="0"/>
-              <a:t>30/10/2017</a:t>
+              <a:t>06/11/2017</a:t>
             </a:fld>
             <a:endParaRPr lang="en-GB"/>
           </a:p>
@@ -1017,7 +1024,7 @@
           <a:p>
             <a:fld id="{AAAA8224-2D8A-4801-9E77-4E1F1BD3DE14}" type="datetimeFigureOut">
               <a:rPr lang="en-GB" smtClean="0"/>
-              <a:t>30/10/2017</a:t>
+              <a:t>06/11/2017</a:t>
             </a:fld>
             <a:endParaRPr lang="en-GB"/>
           </a:p>
@@ -1249,7 +1256,7 @@
           <a:p>
             <a:fld id="{AAAA8224-2D8A-4801-9E77-4E1F1BD3DE14}" type="datetimeFigureOut">
               <a:rPr lang="en-GB" smtClean="0"/>
-              <a:t>30/10/2017</a:t>
+              <a:t>06/11/2017</a:t>
             </a:fld>
             <a:endParaRPr lang="en-GB"/>
           </a:p>
@@ -1616,7 +1623,7 @@
           <a:p>
             <a:fld id="{AAAA8224-2D8A-4801-9E77-4E1F1BD3DE14}" type="datetimeFigureOut">
               <a:rPr lang="en-GB" smtClean="0"/>
-              <a:t>30/10/2017</a:t>
+              <a:t>06/11/2017</a:t>
             </a:fld>
             <a:endParaRPr lang="en-GB"/>
           </a:p>
@@ -1734,7 +1741,7 @@
           <a:p>
             <a:fld id="{AAAA8224-2D8A-4801-9E77-4E1F1BD3DE14}" type="datetimeFigureOut">
               <a:rPr lang="en-GB" smtClean="0"/>
-              <a:t>30/10/2017</a:t>
+              <a:t>06/11/2017</a:t>
             </a:fld>
             <a:endParaRPr lang="en-GB"/>
           </a:p>
@@ -1829,7 +1836,7 @@
           <a:p>
             <a:fld id="{AAAA8224-2D8A-4801-9E77-4E1F1BD3DE14}" type="datetimeFigureOut">
               <a:rPr lang="en-GB" smtClean="0"/>
-              <a:t>30/10/2017</a:t>
+              <a:t>06/11/2017</a:t>
             </a:fld>
             <a:endParaRPr lang="en-GB"/>
           </a:p>
@@ -2106,7 +2113,7 @@
           <a:p>
             <a:fld id="{AAAA8224-2D8A-4801-9E77-4E1F1BD3DE14}" type="datetimeFigureOut">
               <a:rPr lang="en-GB" smtClean="0"/>
-              <a:t>30/10/2017</a:t>
+              <a:t>06/11/2017</a:t>
             </a:fld>
             <a:endParaRPr lang="en-GB"/>
           </a:p>
@@ -2359,7 +2366,7 @@
           <a:p>
             <a:fld id="{AAAA8224-2D8A-4801-9E77-4E1F1BD3DE14}" type="datetimeFigureOut">
               <a:rPr lang="en-GB" smtClean="0"/>
-              <a:t>30/10/2017</a:t>
+              <a:t>06/11/2017</a:t>
             </a:fld>
             <a:endParaRPr lang="en-GB"/>
           </a:p>
@@ -2572,7 +2579,7 @@
           <a:p>
             <a:fld id="{AAAA8224-2D8A-4801-9E77-4E1F1BD3DE14}" type="datetimeFigureOut">
               <a:rPr lang="en-GB" smtClean="0"/>
-              <a:t>30/10/2017</a:t>
+              <a:t>06/11/2017</a:t>
             </a:fld>
             <a:endParaRPr lang="en-GB"/>
           </a:p>
@@ -3213,7 +3220,7 @@
         <p:spPr>
           <a:xfrm>
             <a:off x="3645040" y="3244334"/>
-            <a:ext cx="4901919" cy="369332"/>
+            <a:ext cx="6520375" cy="369332"/>
           </a:xfrm>
           <a:prstGeom prst="rect">
             <a:avLst/>
@@ -3226,8 +3233,8 @@
           <a:lstStyle/>
           <a:p>
             <a:r>
-              <a:rPr lang="en-GB" dirty="0" smtClean="0"/>
-              <a:t>https://www.youtube.com/watch?v=sFec44dS0Ug</a:t>
+              <a:rPr lang="en-GB" dirty="0"/>
+              <a:t>https://www.youtube.com/watch?v=jyIOBil18uY&amp;feature=youtu.be</a:t>
             </a:r>
             <a:endParaRPr lang="en-GB" dirty="0"/>
           </a:p>
@@ -3247,6 +3254,126 @@
 </file>
 
 <file path=ppt/slides/slide14.xml><?xml version="1.0" encoding="utf-8"?>
+<p:sld xmlns:a="http://schemas.openxmlformats.org/drawingml/2006/main" xmlns:r="http://schemas.openxmlformats.org/officeDocument/2006/relationships" xmlns:p="http://schemas.openxmlformats.org/presentationml/2006/main">
+  <p:cSld>
+    <p:spTree>
+      <p:nvGrpSpPr>
+        <p:cNvPr id="1" name=""/>
+        <p:cNvGrpSpPr/>
+        <p:nvPr/>
+      </p:nvGrpSpPr>
+      <p:grpSpPr>
+        <a:xfrm>
+          <a:off x="0" y="0"/>
+          <a:ext cx="0" cy="0"/>
+          <a:chOff x="0" y="0"/>
+          <a:chExt cx="0" cy="0"/>
+        </a:xfrm>
+      </p:grpSpPr>
+      <p:pic>
+        <p:nvPicPr>
+          <p:cNvPr id="2" name="صورة 1"/>
+          <p:cNvPicPr>
+            <a:picLocks noChangeAspect="1"/>
+          </p:cNvPicPr>
+          <p:nvPr/>
+        </p:nvPicPr>
+        <p:blipFill>
+          <a:blip r:embed="rId2">
+            <a:extLst>
+              <a:ext uri="{28A0092B-C50C-407E-A947-70E740481C1C}">
+                <a14:useLocalDpi xmlns:a14="http://schemas.microsoft.com/office/drawing/2010/main" val="0"/>
+              </a:ext>
+            </a:extLst>
+          </a:blip>
+          <a:stretch>
+            <a:fillRect/>
+          </a:stretch>
+        </p:blipFill>
+        <p:spPr>
+          <a:xfrm>
+            <a:off x="2237836" y="642548"/>
+            <a:ext cx="7716327" cy="5572903"/>
+          </a:xfrm>
+          <a:prstGeom prst="rect">
+            <a:avLst/>
+          </a:prstGeom>
+        </p:spPr>
+      </p:pic>
+    </p:spTree>
+    <p:extLst>
+      <p:ext uri="{BB962C8B-B14F-4D97-AF65-F5344CB8AC3E}">
+        <p14:creationId xmlns:p14="http://schemas.microsoft.com/office/powerpoint/2010/main" val="3427458049"/>
+      </p:ext>
+    </p:extLst>
+  </p:cSld>
+  <p:clrMapOvr>
+    <a:masterClrMapping/>
+  </p:clrMapOvr>
+</p:sld>
+</file>
+
+<file path=ppt/slides/slide15.xml><?xml version="1.0" encoding="utf-8"?>
+<p:sld xmlns:a="http://schemas.openxmlformats.org/drawingml/2006/main" xmlns:r="http://schemas.openxmlformats.org/officeDocument/2006/relationships" xmlns:p="http://schemas.openxmlformats.org/presentationml/2006/main">
+  <p:cSld>
+    <p:spTree>
+      <p:nvGrpSpPr>
+        <p:cNvPr id="1" name=""/>
+        <p:cNvGrpSpPr/>
+        <p:nvPr/>
+      </p:nvGrpSpPr>
+      <p:grpSpPr>
+        <a:xfrm>
+          <a:off x="0" y="0"/>
+          <a:ext cx="0" cy="0"/>
+          <a:chOff x="0" y="0"/>
+          <a:chExt cx="0" cy="0"/>
+        </a:xfrm>
+      </p:grpSpPr>
+      <p:pic>
+        <p:nvPicPr>
+          <p:cNvPr id="2" name="صورة 1"/>
+          <p:cNvPicPr>
+            <a:picLocks noChangeAspect="1"/>
+          </p:cNvPicPr>
+          <p:nvPr/>
+        </p:nvPicPr>
+        <p:blipFill>
+          <a:blip r:embed="rId2">
+            <a:extLst>
+              <a:ext uri="{28A0092B-C50C-407E-A947-70E740481C1C}">
+                <a14:useLocalDpi xmlns:a14="http://schemas.microsoft.com/office/drawing/2010/main" val="0"/>
+              </a:ext>
+            </a:extLst>
+          </a:blip>
+          <a:stretch>
+            <a:fillRect/>
+          </a:stretch>
+        </p:blipFill>
+        <p:spPr>
+          <a:xfrm>
+            <a:off x="2133047" y="618733"/>
+            <a:ext cx="7925906" cy="5620534"/>
+          </a:xfrm>
+          <a:prstGeom prst="rect">
+            <a:avLst/>
+          </a:prstGeom>
+        </p:spPr>
+      </p:pic>
+    </p:spTree>
+    <p:extLst>
+      <p:ext uri="{BB962C8B-B14F-4D97-AF65-F5344CB8AC3E}">
+        <p14:creationId xmlns:p14="http://schemas.microsoft.com/office/powerpoint/2010/main" val="2217684181"/>
+      </p:ext>
+    </p:extLst>
+  </p:cSld>
+  <p:clrMapOvr>
+    <a:masterClrMapping/>
+  </p:clrMapOvr>
+</p:sld>
+</file>
+
+<file path=ppt/slides/slide16.xml><?xml version="1.0" encoding="utf-8"?>
 <p:sld xmlns:a="http://schemas.openxmlformats.org/drawingml/2006/main" xmlns:r="http://schemas.openxmlformats.org/officeDocument/2006/relationships" xmlns:p="http://schemas.openxmlformats.org/presentationml/2006/main">
   <p:cSld>
     <p:spTree>
